--- a/JS函式庫報告/Prism/Prism.pptx
+++ b/JS函式庫報告/Prism/Prism.pptx
@@ -3494,11 +3494,11 @@
   <p:clrMapOvr>
     <a:masterClrMapping/>
   </p:clrMapOvr>
-  <mc:AlternateContent xmlns:mc="http://schemas.openxmlformats.org/markup-compatibility/2006">
-    <mc:Choice xmlns:p14="http://schemas.microsoft.com/office/powerpoint/2010/main" Requires="p14">
+  <mc:AlternateContent xmlns:mc="http://schemas.openxmlformats.org/markup-compatibility/2006" xmlns:p14="http://schemas.microsoft.com/office/powerpoint/2010/main">
+    <mc:Choice Requires="p14">
       <p:transition p14:dur="0"/>
     </mc:Choice>
-    <mc:Fallback>
+    <mc:Fallback xmlns="">
       <p:transition/>
     </mc:Fallback>
   </mc:AlternateContent>
@@ -4137,13 +4137,13 @@
   <p:clrMapOvr>
     <a:masterClrMapping/>
   </p:clrMapOvr>
-  <mc:AlternateContent xmlns:mc="http://schemas.openxmlformats.org/markup-compatibility/2006">
-    <mc:Choice xmlns:p159="http://schemas.microsoft.com/office/powerpoint/2015/09/main" Requires="p159">
+  <mc:AlternateContent xmlns:mc="http://schemas.openxmlformats.org/markup-compatibility/2006" xmlns:p159="http://schemas.microsoft.com/office/powerpoint/2015/09/main">
+    <mc:Choice Requires="p159">
       <p:transition spd="slow">
         <p159:morph option="byObject"/>
       </p:transition>
     </mc:Choice>
-    <mc:Fallback>
+    <mc:Fallback xmlns="">
       <p:transition spd="slow">
         <p:fade/>
       </p:transition>
@@ -4870,13 +4870,13 @@
   <p:clrMapOvr>
     <a:masterClrMapping/>
   </p:clrMapOvr>
-  <mc:AlternateContent xmlns:mc="http://schemas.openxmlformats.org/markup-compatibility/2006">
-    <mc:Choice xmlns:p159="http://schemas.microsoft.com/office/powerpoint/2015/09/main" Requires="p159">
+  <mc:AlternateContent xmlns:mc="http://schemas.openxmlformats.org/markup-compatibility/2006" xmlns:p159="http://schemas.microsoft.com/office/powerpoint/2015/09/main">
+    <mc:Choice Requires="p159">
       <p:transition spd="slow">
         <p159:morph option="byObject"/>
       </p:transition>
     </mc:Choice>
-    <mc:Fallback>
+    <mc:Fallback xmlns="">
       <p:transition spd="slow">
         <p:fade/>
       </p:transition>
@@ -5517,13 +5517,13 @@
   <p:clrMapOvr>
     <a:masterClrMapping/>
   </p:clrMapOvr>
-  <mc:AlternateContent xmlns:mc="http://schemas.openxmlformats.org/markup-compatibility/2006">
-    <mc:Choice xmlns:p159="http://schemas.microsoft.com/office/powerpoint/2015/09/main" Requires="p159">
+  <mc:AlternateContent xmlns:mc="http://schemas.openxmlformats.org/markup-compatibility/2006" xmlns:p159="http://schemas.microsoft.com/office/powerpoint/2015/09/main">
+    <mc:Choice Requires="p159">
       <p:transition spd="slow">
         <p159:morph option="byObject"/>
       </p:transition>
     </mc:Choice>
-    <mc:Fallback>
+    <mc:Fallback xmlns="">
       <p:transition spd="slow">
         <p:fade/>
       </p:transition>
@@ -6164,13 +6164,13 @@
   <p:clrMapOvr>
     <a:masterClrMapping/>
   </p:clrMapOvr>
-  <mc:AlternateContent xmlns:mc="http://schemas.openxmlformats.org/markup-compatibility/2006">
-    <mc:Choice xmlns:p159="http://schemas.microsoft.com/office/powerpoint/2015/09/main" Requires="p159">
+  <mc:AlternateContent xmlns:mc="http://schemas.openxmlformats.org/markup-compatibility/2006" xmlns:p159="http://schemas.microsoft.com/office/powerpoint/2015/09/main">
+    <mc:Choice Requires="p159">
       <p:transition spd="slow">
         <p159:morph option="byObject"/>
       </p:transition>
     </mc:Choice>
-    <mc:Fallback>
+    <mc:Fallback xmlns="">
       <p:transition spd="slow">
         <p:fade/>
       </p:transition>
@@ -7019,13 +7019,13 @@
   <p:clrMapOvr>
     <a:masterClrMapping/>
   </p:clrMapOvr>
-  <mc:AlternateContent xmlns:mc="http://schemas.openxmlformats.org/markup-compatibility/2006">
-    <mc:Choice xmlns:p159="http://schemas.microsoft.com/office/powerpoint/2015/09/main" Requires="p159">
+  <mc:AlternateContent xmlns:mc="http://schemas.openxmlformats.org/markup-compatibility/2006" xmlns:p159="http://schemas.microsoft.com/office/powerpoint/2015/09/main">
+    <mc:Choice Requires="p159">
       <p:transition spd="slow">
         <p159:morph option="byObject"/>
       </p:transition>
     </mc:Choice>
-    <mc:Fallback>
+    <mc:Fallback xmlns="">
       <p:transition spd="slow">
         <p:fade/>
       </p:transition>
@@ -7709,7 +7709,7 @@
             <a:round/>
             <a:extLst>
               <a:ext uri="{C807C97D-BFC1-408E-A445-0C87EB9F89A2}">
-                <ask:lineSketchStyleProps xmlns="" xmlns:ask="http://schemas.microsoft.com/office/drawing/2018/sketchyshapes" sd="2727557108">
+                <ask:lineSketchStyleProps xmlns:ask="http://schemas.microsoft.com/office/drawing/2018/sketchyshapes" xmlns="" sd="2727557108">
                   <a:prstGeom prst="rect">
                     <a:avLst/>
                   </a:prstGeom>
@@ -10722,7 +10722,7 @@
             <a:round/>
             <a:extLst>
               <a:ext uri="{C807C97D-BFC1-408E-A445-0C87EB9F89A2}">
-                <ask:lineSketchStyleProps xmlns="" xmlns:ask="http://schemas.microsoft.com/office/drawing/2018/sketchyshapes" sd="2863741219">
+                <ask:lineSketchStyleProps xmlns:ask="http://schemas.microsoft.com/office/drawing/2018/sketchyshapes" xmlns="" sd="2863741219">
                   <a:prstGeom prst="rect">
                     <a:avLst/>
                   </a:prstGeom>
@@ -12558,7 +12558,7 @@
             <a:round/>
             <a:extLst>
               <a:ext uri="{C807C97D-BFC1-408E-A445-0C87EB9F89A2}">
-                <ask:lineSketchStyleProps xmlns="" xmlns:ask="http://schemas.microsoft.com/office/drawing/2018/sketchyshapes" sd="2727557108">
+                <ask:lineSketchStyleProps xmlns:ask="http://schemas.microsoft.com/office/drawing/2018/sketchyshapes" xmlns="" sd="2727557108">
                   <a:prstGeom prst="rect">
                     <a:avLst/>
                   </a:prstGeom>
@@ -14336,13 +14336,13 @@
   <p:clrMapOvr>
     <a:masterClrMapping/>
   </p:clrMapOvr>
-  <mc:AlternateContent xmlns:mc="http://schemas.openxmlformats.org/markup-compatibility/2006">
-    <mc:Choice xmlns:p159="http://schemas.microsoft.com/office/powerpoint/2015/09/main" Requires="p159">
+  <mc:AlternateContent xmlns:mc="http://schemas.openxmlformats.org/markup-compatibility/2006" xmlns:p159="http://schemas.microsoft.com/office/powerpoint/2015/09/main">
+    <mc:Choice Requires="p159">
       <p:transition spd="slow">
         <p159:morph option="byObject"/>
       </p:transition>
     </mc:Choice>
-    <mc:Fallback>
+    <mc:Fallback xmlns="">
       <p:transition spd="slow">
         <p:fade/>
       </p:transition>
@@ -14984,13 +14984,13 @@
   <p:clrMapOvr>
     <a:masterClrMapping/>
   </p:clrMapOvr>
-  <mc:AlternateContent xmlns:mc="http://schemas.openxmlformats.org/markup-compatibility/2006">
-    <mc:Choice xmlns:p159="http://schemas.microsoft.com/office/powerpoint/2015/09/main" Requires="p159">
+  <mc:AlternateContent xmlns:mc="http://schemas.openxmlformats.org/markup-compatibility/2006" xmlns:p159="http://schemas.microsoft.com/office/powerpoint/2015/09/main">
+    <mc:Choice Requires="p159">
       <p:transition spd="slow">
         <p159:morph option="byObject"/>
       </p:transition>
     </mc:Choice>
-    <mc:Fallback>
+    <mc:Fallback xmlns="">
       <p:transition spd="slow">
         <p:fade/>
       </p:transition>
